--- a/Documentation - PL/ZTP Documentation.pptx
+++ b/Documentation - PL/ZTP Documentation.pptx
@@ -222,7 +222,7 @@
           <a:p>
             <a:fld id="{7C2430AA-EDF6-4DBF-80B2-609DE0CD757D}" type="datetimeFigureOut">
               <a:rPr lang="pl-PL" smtClean="0"/>
-              <a:t>2018-12-17</a:t>
+              <a:t>2019-01-20</a:t>
             </a:fld>
             <a:endParaRPr lang="pl-PL"/>
           </a:p>
@@ -2815,7 +2815,7 @@
           <a:p>
             <a:fld id="{4DA347E4-0187-41BC-AEA1-5113E9805BC9}" type="datetimeFigureOut">
               <a:rPr lang="pl-PL" smtClean="0"/>
-              <a:t>2018-12-17</a:t>
+              <a:t>2019-01-20</a:t>
             </a:fld>
             <a:endParaRPr lang="pl-PL"/>
           </a:p>
@@ -2985,7 +2985,7 @@
           <a:p>
             <a:fld id="{4DA347E4-0187-41BC-AEA1-5113E9805BC9}" type="datetimeFigureOut">
               <a:rPr lang="pl-PL" smtClean="0"/>
-              <a:t>2018-12-17</a:t>
+              <a:t>2019-01-20</a:t>
             </a:fld>
             <a:endParaRPr lang="pl-PL"/>
           </a:p>
@@ -3165,7 +3165,7 @@
           <a:p>
             <a:fld id="{4DA347E4-0187-41BC-AEA1-5113E9805BC9}" type="datetimeFigureOut">
               <a:rPr lang="pl-PL" smtClean="0"/>
-              <a:t>2018-12-17</a:t>
+              <a:t>2019-01-20</a:t>
             </a:fld>
             <a:endParaRPr lang="pl-PL"/>
           </a:p>
@@ -3335,7 +3335,7 @@
           <a:p>
             <a:fld id="{4DA347E4-0187-41BC-AEA1-5113E9805BC9}" type="datetimeFigureOut">
               <a:rPr lang="pl-PL" smtClean="0"/>
-              <a:t>2018-12-17</a:t>
+              <a:t>2019-01-20</a:t>
             </a:fld>
             <a:endParaRPr lang="pl-PL"/>
           </a:p>
@@ -3586,7 +3586,7 @@
           <a:p>
             <a:fld id="{4DA347E4-0187-41BC-AEA1-5113E9805BC9}" type="datetimeFigureOut">
               <a:rPr lang="pl-PL" smtClean="0"/>
-              <a:t>2018-12-17</a:t>
+              <a:t>2019-01-20</a:t>
             </a:fld>
             <a:endParaRPr lang="pl-PL"/>
           </a:p>
@@ -3818,7 +3818,7 @@
           <a:p>
             <a:fld id="{4DA347E4-0187-41BC-AEA1-5113E9805BC9}" type="datetimeFigureOut">
               <a:rPr lang="pl-PL" smtClean="0"/>
-              <a:t>2018-12-17</a:t>
+              <a:t>2019-01-20</a:t>
             </a:fld>
             <a:endParaRPr lang="pl-PL"/>
           </a:p>
@@ -4165,7 +4165,7 @@
           <a:p>
             <a:fld id="{4DA347E4-0187-41BC-AEA1-5113E9805BC9}" type="datetimeFigureOut">
               <a:rPr lang="pl-PL" smtClean="0"/>
-              <a:t>2018-12-17</a:t>
+              <a:t>2019-01-20</a:t>
             </a:fld>
             <a:endParaRPr lang="pl-PL"/>
           </a:p>
@@ -4283,7 +4283,7 @@
           <a:p>
             <a:fld id="{4DA347E4-0187-41BC-AEA1-5113E9805BC9}" type="datetimeFigureOut">
               <a:rPr lang="pl-PL" smtClean="0"/>
-              <a:t>2018-12-17</a:t>
+              <a:t>2019-01-20</a:t>
             </a:fld>
             <a:endParaRPr lang="pl-PL"/>
           </a:p>
@@ -4401,7 +4401,7 @@
           <a:p>
             <a:fld id="{4DA347E4-0187-41BC-AEA1-5113E9805BC9}" type="datetimeFigureOut">
               <a:rPr lang="pl-PL" smtClean="0"/>
-              <a:t>2018-12-17</a:t>
+              <a:t>2019-01-20</a:t>
             </a:fld>
             <a:endParaRPr lang="pl-PL"/>
           </a:p>
@@ -4685,7 +4685,7 @@
           <a:p>
             <a:fld id="{4DA347E4-0187-41BC-AEA1-5113E9805BC9}" type="datetimeFigureOut">
               <a:rPr lang="pl-PL" smtClean="0"/>
-              <a:t>2018-12-17</a:t>
+              <a:t>2019-01-20</a:t>
             </a:fld>
             <a:endParaRPr lang="pl-PL"/>
           </a:p>
@@ -4949,7 +4949,7 @@
           <a:p>
             <a:fld id="{4DA347E4-0187-41BC-AEA1-5113E9805BC9}" type="datetimeFigureOut">
               <a:rPr lang="pl-PL" smtClean="0"/>
-              <a:t>2018-12-17</a:t>
+              <a:t>2019-01-20</a:t>
             </a:fld>
             <a:endParaRPr lang="pl-PL"/>
           </a:p>
@@ -5163,7 +5163,7 @@
           <a:p>
             <a:fld id="{4DA347E4-0187-41BC-AEA1-5113E9805BC9}" type="datetimeFigureOut">
               <a:rPr lang="pl-PL" smtClean="0"/>
-              <a:t>2018-12-17</a:t>
+              <a:t>2019-01-20</a:t>
             </a:fld>
             <a:endParaRPr lang="pl-PL"/>
           </a:p>
@@ -5762,13 +5762,40 @@
           <a:p>
             <a:pPr algn="l"/>
             <a:r>
-              <a:rPr lang="en-US" b="1">
+              <a:rPr lang="en-US" b="1" dirty="0" err="1">
                 <a:solidFill>
                   <a:schemeClr val="tx1"/>
                 </a:solidFill>
                 <a:latin typeface="Bahnschrift" panose="020B0502040204020203" pitchFamily="34" charset="0"/>
               </a:rPr>
-              <a:t>Skład zespołu:</a:t>
+              <a:t>Skład</a:t>
+            </a:r>
+            <a:r>
+              <a:rPr lang="en-US" b="1" dirty="0">
+                <a:solidFill>
+                  <a:schemeClr val="tx1"/>
+                </a:solidFill>
+                <a:latin typeface="Bahnschrift" panose="020B0502040204020203" pitchFamily="34" charset="0"/>
+              </a:rPr>
+              <a:t> </a:t>
+            </a:r>
+            <a:r>
+              <a:rPr lang="en-US" b="1" dirty="0" err="1">
+                <a:solidFill>
+                  <a:schemeClr val="tx1"/>
+                </a:solidFill>
+                <a:latin typeface="Bahnschrift" panose="020B0502040204020203" pitchFamily="34" charset="0"/>
+              </a:rPr>
+              <a:t>zespołu</a:t>
+            </a:r>
+            <a:r>
+              <a:rPr lang="en-US" b="1" dirty="0">
+                <a:solidFill>
+                  <a:schemeClr val="tx1"/>
+                </a:solidFill>
+                <a:latin typeface="Bahnschrift" panose="020B0502040204020203" pitchFamily="34" charset="0"/>
+              </a:rPr>
+              <a:t>:</a:t>
             </a:r>
           </a:p>
           <a:p>
@@ -5777,7 +5804,7 @@
               <a:buChar char="§"/>
             </a:pPr>
             <a:r>
-              <a:rPr lang="en-US">
+              <a:rPr lang="en-US" dirty="0">
                 <a:solidFill>
                   <a:schemeClr val="tx1"/>
                 </a:solidFill>
@@ -5792,7 +5819,7 @@
               <a:buChar char="§"/>
             </a:pPr>
             <a:r>
-              <a:rPr lang="en-US">
+              <a:rPr lang="en-US" dirty="0">
                 <a:solidFill>
                   <a:schemeClr val="tx1"/>
                 </a:solidFill>
@@ -5807,14 +5834,38 @@
               <a:buChar char="§"/>
             </a:pPr>
             <a:r>
-              <a:rPr lang="en-US">
+              <a:rPr lang="en-US" dirty="0" err="1">
                 <a:solidFill>
                   <a:schemeClr val="tx1"/>
                 </a:solidFill>
                 <a:latin typeface="Bahnschrift" panose="020B0502040204020203" pitchFamily="34" charset="0"/>
               </a:rPr>
-              <a:t>Michał Kierzkowski</a:t>
-            </a:r>
+              <a:t>Michał</a:t>
+            </a:r>
+            <a:r>
+              <a:rPr lang="en-US" dirty="0">
+                <a:solidFill>
+                  <a:schemeClr val="tx1"/>
+                </a:solidFill>
+                <a:latin typeface="Bahnschrift" panose="020B0502040204020203" pitchFamily="34" charset="0"/>
+              </a:rPr>
+              <a:t> </a:t>
+            </a:r>
+            <a:r>
+              <a:rPr lang="en-US" dirty="0" err="1">
+                <a:solidFill>
+                  <a:schemeClr val="tx1"/>
+                </a:solidFill>
+                <a:latin typeface="Bahnschrift" panose="020B0502040204020203" pitchFamily="34" charset="0"/>
+              </a:rPr>
+              <a:t>Kierzkowski</a:t>
+            </a:r>
+            <a:endParaRPr lang="en-US" dirty="0">
+              <a:solidFill>
+                <a:schemeClr val="tx1"/>
+              </a:solidFill>
+              <a:latin typeface="Bahnschrift" panose="020B0502040204020203" pitchFamily="34" charset="0"/>
+            </a:endParaRPr>
           </a:p>
           <a:p>
             <a:pPr indent="-228600" algn="l">
